--- a/Figures/Antechinus_explofigures.pptx
+++ b/Figures/Antechinus_explofigures.pptx
@@ -6,9 +6,13 @@
   </p:sldMasterIdLst>
   <p:sldIdLst>
     <p:sldId id="259" r:id="rId2"/>
-    <p:sldId id="257" r:id="rId3"/>
-    <p:sldId id="260" r:id="rId4"/>
-    <p:sldId id="258" r:id="rId5"/>
+    <p:sldId id="261" r:id="rId3"/>
+    <p:sldId id="257" r:id="rId4"/>
+    <p:sldId id="260" r:id="rId5"/>
+    <p:sldId id="258" r:id="rId6"/>
+    <p:sldId id="263" r:id="rId7"/>
+    <p:sldId id="262" r:id="rId8"/>
+    <p:sldId id="264" r:id="rId9"/>
   </p:sldIdLst>
   <p:sldSz cx="12192000" cy="6858000"/>
   <p:notesSz cx="6858000" cy="9144000"/>
@@ -107,6 +111,11 @@
       </a:defRPr>
     </a:lvl9pPr>
   </p:defaultTextStyle>
+  <p:extLst>
+    <p:ext uri="{EFAFB233-063F-42B5-8137-9DF3F51BA10A}">
+      <p15:sldGuideLst xmlns:p15="http://schemas.microsoft.com/office/powerpoint/2012/main"/>
+    </p:ext>
+  </p:extLst>
 </p:presentation>
 </file>
 
@@ -241,7 +250,7 @@
           <a:p>
             <a:fld id="{45C044ED-AD2D-415A-8F6B-38D1A2AFDB16}" type="datetimeFigureOut">
               <a:rPr lang="en-AU" smtClean="0"/>
-              <a:t>25/06/2020</a:t>
+              <a:t>26/06/2020</a:t>
             </a:fld>
             <a:endParaRPr lang="en-AU"/>
           </a:p>
@@ -411,7 +420,7 @@
           <a:p>
             <a:fld id="{45C044ED-AD2D-415A-8F6B-38D1A2AFDB16}" type="datetimeFigureOut">
               <a:rPr lang="en-AU" smtClean="0"/>
-              <a:t>25/06/2020</a:t>
+              <a:t>26/06/2020</a:t>
             </a:fld>
             <a:endParaRPr lang="en-AU"/>
           </a:p>
@@ -591,7 +600,7 @@
           <a:p>
             <a:fld id="{45C044ED-AD2D-415A-8F6B-38D1A2AFDB16}" type="datetimeFigureOut">
               <a:rPr lang="en-AU" smtClean="0"/>
-              <a:t>25/06/2020</a:t>
+              <a:t>26/06/2020</a:t>
             </a:fld>
             <a:endParaRPr lang="en-AU"/>
           </a:p>
@@ -761,7 +770,7 @@
           <a:p>
             <a:fld id="{45C044ED-AD2D-415A-8F6B-38D1A2AFDB16}" type="datetimeFigureOut">
               <a:rPr lang="en-AU" smtClean="0"/>
-              <a:t>25/06/2020</a:t>
+              <a:t>26/06/2020</a:t>
             </a:fld>
             <a:endParaRPr lang="en-AU"/>
           </a:p>
@@ -1007,7 +1016,7 @@
           <a:p>
             <a:fld id="{45C044ED-AD2D-415A-8F6B-38D1A2AFDB16}" type="datetimeFigureOut">
               <a:rPr lang="en-AU" smtClean="0"/>
-              <a:t>25/06/2020</a:t>
+              <a:t>26/06/2020</a:t>
             </a:fld>
             <a:endParaRPr lang="en-AU"/>
           </a:p>
@@ -1239,7 +1248,7 @@
           <a:p>
             <a:fld id="{45C044ED-AD2D-415A-8F6B-38D1A2AFDB16}" type="datetimeFigureOut">
               <a:rPr lang="en-AU" smtClean="0"/>
-              <a:t>25/06/2020</a:t>
+              <a:t>26/06/2020</a:t>
             </a:fld>
             <a:endParaRPr lang="en-AU"/>
           </a:p>
@@ -1606,7 +1615,7 @@
           <a:p>
             <a:fld id="{45C044ED-AD2D-415A-8F6B-38D1A2AFDB16}" type="datetimeFigureOut">
               <a:rPr lang="en-AU" smtClean="0"/>
-              <a:t>25/06/2020</a:t>
+              <a:t>26/06/2020</a:t>
             </a:fld>
             <a:endParaRPr lang="en-AU"/>
           </a:p>
@@ -1724,7 +1733,7 @@
           <a:p>
             <a:fld id="{45C044ED-AD2D-415A-8F6B-38D1A2AFDB16}" type="datetimeFigureOut">
               <a:rPr lang="en-AU" smtClean="0"/>
-              <a:t>25/06/2020</a:t>
+              <a:t>26/06/2020</a:t>
             </a:fld>
             <a:endParaRPr lang="en-AU"/>
           </a:p>
@@ -1819,7 +1828,7 @@
           <a:p>
             <a:fld id="{45C044ED-AD2D-415A-8F6B-38D1A2AFDB16}" type="datetimeFigureOut">
               <a:rPr lang="en-AU" smtClean="0"/>
-              <a:t>25/06/2020</a:t>
+              <a:t>26/06/2020</a:t>
             </a:fld>
             <a:endParaRPr lang="en-AU"/>
           </a:p>
@@ -2096,7 +2105,7 @@
           <a:p>
             <a:fld id="{45C044ED-AD2D-415A-8F6B-38D1A2AFDB16}" type="datetimeFigureOut">
               <a:rPr lang="en-AU" smtClean="0"/>
-              <a:t>25/06/2020</a:t>
+              <a:t>26/06/2020</a:t>
             </a:fld>
             <a:endParaRPr lang="en-AU"/>
           </a:p>
@@ -2349,7 +2358,7 @@
           <a:p>
             <a:fld id="{45C044ED-AD2D-415A-8F6B-38D1A2AFDB16}" type="datetimeFigureOut">
               <a:rPr lang="en-AU" smtClean="0"/>
-              <a:t>25/06/2020</a:t>
+              <a:t>26/06/2020</a:t>
             </a:fld>
             <a:endParaRPr lang="en-AU"/>
           </a:p>
@@ -2562,7 +2571,7 @@
           <a:p>
             <a:fld id="{45C044ED-AD2D-415A-8F6B-38D1A2AFDB16}" type="datetimeFigureOut">
               <a:rPr lang="en-AU" smtClean="0"/>
-              <a:t>25/06/2020</a:t>
+              <a:t>26/06/2020</a:t>
             </a:fld>
             <a:endParaRPr lang="en-AU"/>
           </a:p>
@@ -2976,7 +2985,7 @@
         <p:spPr>
           <a:xfrm>
             <a:off x="1173707" y="941695"/>
-            <a:ext cx="6182436" cy="3693319"/>
+            <a:ext cx="6182436" cy="3970318"/>
           </a:xfrm>
           <a:prstGeom prst="rect">
             <a:avLst/>
@@ -3001,8 +3010,13 @@
             </a:pPr>
             <a:r>
               <a:rPr lang="en-AU" dirty="0" smtClean="0"/>
-              <a:t> 8 were omitted from landmarking,</a:t>
-            </a:r>
+              <a:t> 8 were omitted from </a:t>
+            </a:r>
+            <a:r>
+              <a:rPr lang="en-AU" dirty="0" smtClean="0"/>
+              <a:t>landmarking</a:t>
+            </a:r>
+            <a:endParaRPr lang="en-AU" dirty="0" smtClean="0"/>
           </a:p>
           <a:p>
             <a:endParaRPr lang="en-AU" dirty="0"/>
@@ -3030,8 +3044,27 @@
             </a:pPr>
             <a:r>
               <a:rPr lang="en-AU" dirty="0" smtClean="0"/>
-              <a:t>4 believed to be other species</a:t>
-            </a:r>
+              <a:t>4 believed to be other </a:t>
+            </a:r>
+            <a:r>
+              <a:rPr lang="en-AU" dirty="0" smtClean="0"/>
+              <a:t>species</a:t>
+            </a:r>
+          </a:p>
+          <a:p>
+            <a:pPr marL="285750" indent="-285750">
+              <a:buFont typeface="Arial" panose="020B0604020202020204" pitchFamily="34" charset="0"/>
+              <a:buChar char="•"/>
+            </a:pPr>
+            <a:r>
+              <a:rPr lang="en-AU" dirty="0"/>
+              <a:t>1</a:t>
+            </a:r>
+            <a:r>
+              <a:rPr lang="en-AU" dirty="0" smtClean="0"/>
+              <a:t> outlier (Procrustes distance from mean, upper quartile)</a:t>
+            </a:r>
+            <a:endParaRPr lang="en-AU" dirty="0" smtClean="0"/>
           </a:p>
           <a:p>
             <a:pPr marL="285750" indent="-285750">
@@ -3043,8 +3076,21 @@
           <a:p>
             <a:r>
               <a:rPr lang="en-AU" dirty="0" smtClean="0"/>
-              <a:t> 170 specimens for analysis:</a:t>
-            </a:r>
+              <a:t> </a:t>
+            </a:r>
+            <a:r>
+              <a:rPr lang="en-AU" dirty="0" smtClean="0"/>
+              <a:t>169 specimens </a:t>
+            </a:r>
+            <a:r>
+              <a:rPr lang="en-AU" dirty="0" smtClean="0"/>
+              <a:t>for </a:t>
+            </a:r>
+            <a:r>
+              <a:rPr lang="en-AU" dirty="0" smtClean="0"/>
+              <a:t>analysis, of which:</a:t>
+            </a:r>
+            <a:endParaRPr lang="en-AU" dirty="0" smtClean="0"/>
           </a:p>
           <a:p>
             <a:pPr marL="285750" indent="-285750">
@@ -3053,7 +3099,19 @@
             </a:pPr>
             <a:r>
               <a:rPr lang="en-AU" dirty="0" smtClean="0"/>
-              <a:t>69 females, 91 males, 10 unknown</a:t>
+              <a:t>68 </a:t>
+            </a:r>
+            <a:r>
+              <a:rPr lang="en-AU" dirty="0" smtClean="0"/>
+              <a:t>females, 91 males, </a:t>
+            </a:r>
+            <a:r>
+              <a:rPr lang="en-AU" dirty="0" smtClean="0"/>
+              <a:t>10 </a:t>
+            </a:r>
+            <a:r>
+              <a:rPr lang="en-AU" dirty="0" smtClean="0"/>
+              <a:t>unknown</a:t>
             </a:r>
           </a:p>
           <a:p>
@@ -3063,8 +3121,25 @@
             </a:pPr>
             <a:r>
               <a:rPr lang="en-AU" dirty="0" smtClean="0"/>
-              <a:t>67 subtropicus, 40 south stuartii, 23 north stuartii, 40 dubious</a:t>
-            </a:r>
+              <a:t>67 subtropicus, </a:t>
+            </a:r>
+            <a:r>
+              <a:rPr lang="en-AU" dirty="0" smtClean="0"/>
+              <a:t>39</a:t>
+            </a:r>
+            <a:r>
+              <a:rPr lang="en-AU" dirty="0" smtClean="0"/>
+              <a:t> </a:t>
+            </a:r>
+            <a:r>
+              <a:rPr lang="en-AU" dirty="0" smtClean="0"/>
+              <a:t>south stuartii, 23 north stuartii, 40 </a:t>
+            </a:r>
+            <a:r>
+              <a:rPr lang="en-AU" dirty="0" smtClean="0"/>
+              <a:t>dubious (holotype)</a:t>
+            </a:r>
+            <a:endParaRPr lang="en-AU" dirty="0" smtClean="0"/>
           </a:p>
           <a:p>
             <a:endParaRPr lang="en-AU" dirty="0" smtClean="0"/>
@@ -3078,6 +3153,81 @@
           </a:p>
         </p:txBody>
       </p:sp>
+      <p:grpSp>
+        <p:nvGrpSpPr>
+          <p:cNvPr id="11" name="Group 10"/>
+          <p:cNvGrpSpPr/>
+          <p:nvPr/>
+        </p:nvGrpSpPr>
+        <p:grpSpPr>
+          <a:xfrm>
+            <a:off x="7122935" y="798003"/>
+            <a:ext cx="4845620" cy="2683073"/>
+            <a:chOff x="7214375" y="941695"/>
+            <a:chExt cx="4845620" cy="2683073"/>
+          </a:xfrm>
+        </p:grpSpPr>
+        <p:pic>
+          <p:nvPicPr>
+            <p:cNvPr id="4" name="Picture 3"/>
+            <p:cNvPicPr>
+              <a:picLocks noChangeAspect="1"/>
+            </p:cNvPicPr>
+            <p:nvPr/>
+          </p:nvPicPr>
+          <p:blipFill>
+            <a:blip r:embed="rId2"/>
+            <a:stretch>
+              <a:fillRect/>
+            </a:stretch>
+          </p:blipFill>
+          <p:spPr>
+            <a:xfrm>
+              <a:off x="7214375" y="941695"/>
+              <a:ext cx="4845620" cy="2683073"/>
+            </a:xfrm>
+            <a:prstGeom prst="rect">
+              <a:avLst/>
+            </a:prstGeom>
+          </p:spPr>
+        </p:pic>
+        <p:cxnSp>
+          <p:nvCxnSpPr>
+            <p:cNvPr id="6" name="Straight Arrow Connector 5"/>
+            <p:cNvCxnSpPr/>
+            <p:nvPr/>
+          </p:nvCxnSpPr>
+          <p:spPr>
+            <a:xfrm flipH="1">
+              <a:off x="7707086" y="1149532"/>
+              <a:ext cx="391885" cy="52250"/>
+            </a:xfrm>
+            <a:prstGeom prst="straightConnector1">
+              <a:avLst/>
+            </a:prstGeom>
+            <a:ln w="76200">
+              <a:solidFill>
+                <a:srgbClr val="FF0000"/>
+              </a:solidFill>
+              <a:tailEnd type="triangle"/>
+            </a:ln>
+          </p:spPr>
+          <p:style>
+            <a:lnRef idx="1">
+              <a:schemeClr val="accent1"/>
+            </a:lnRef>
+            <a:fillRef idx="0">
+              <a:schemeClr val="accent1"/>
+            </a:fillRef>
+            <a:effectRef idx="0">
+              <a:schemeClr val="accent1"/>
+            </a:effectRef>
+            <a:fontRef idx="minor">
+              <a:schemeClr val="tx1"/>
+            </a:fontRef>
+          </p:style>
+        </p:cxnSp>
+      </p:grpSp>
     </p:spTree>
     <p:extLst>
       <p:ext uri="{BB962C8B-B14F-4D97-AF65-F5344CB8AC3E}">
@@ -3091,7 +3241,390 @@
   <p:timing>
     <p:tnLst>
       <p:par>
-        <p:cTn id="1" dur="indefinite" restart="never" nodeType="tmRoot"/>
+        <p:cTn id="1" dur="indefinite" restart="never" nodeType="tmRoot">
+          <p:childTnLst>
+            <p:seq concurrent="1" nextAc="seek">
+              <p:cTn id="2" dur="indefinite" nodeType="mainSeq">
+                <p:childTnLst>
+                  <p:par>
+                    <p:cTn id="3" fill="hold">
+                      <p:stCondLst>
+                        <p:cond delay="indefinite"/>
+                      </p:stCondLst>
+                      <p:childTnLst>
+                        <p:par>
+                          <p:cTn id="4" fill="hold">
+                            <p:stCondLst>
+                              <p:cond delay="0"/>
+                            </p:stCondLst>
+                            <p:childTnLst>
+                              <p:par>
+                                <p:cTn id="5" presetID="1" presetClass="entr" presetSubtype="0" fill="hold" nodeType="clickEffect">
+                                  <p:stCondLst>
+                                    <p:cond delay="0"/>
+                                  </p:stCondLst>
+                                  <p:childTnLst>
+                                    <p:set>
+                                      <p:cBhvr>
+                                        <p:cTn id="6" dur="1" fill="hold">
+                                          <p:stCondLst>
+                                            <p:cond delay="0"/>
+                                          </p:stCondLst>
+                                        </p:cTn>
+                                        <p:tgtEl>
+                                          <p:spTgt spid="2">
+                                            <p:txEl>
+                                              <p:pRg st="0" end="0"/>
+                                            </p:txEl>
+                                          </p:spTgt>
+                                        </p:tgtEl>
+                                        <p:attrNameLst>
+                                          <p:attrName>style.visibility</p:attrName>
+                                        </p:attrNameLst>
+                                      </p:cBhvr>
+                                      <p:to>
+                                        <p:strVal val="visible"/>
+                                      </p:to>
+                                    </p:set>
+                                  </p:childTnLst>
+                                </p:cTn>
+                              </p:par>
+                              <p:par>
+                                <p:cTn id="7" presetID="1" presetClass="entr" presetSubtype="0" fill="hold" nodeType="withEffect">
+                                  <p:stCondLst>
+                                    <p:cond delay="0"/>
+                                  </p:stCondLst>
+                                  <p:childTnLst>
+                                    <p:set>
+                                      <p:cBhvr>
+                                        <p:cTn id="8" dur="1" fill="hold">
+                                          <p:stCondLst>
+                                            <p:cond delay="0"/>
+                                          </p:stCondLst>
+                                        </p:cTn>
+                                        <p:tgtEl>
+                                          <p:spTgt spid="2">
+                                            <p:txEl>
+                                              <p:pRg st="1" end="1"/>
+                                            </p:txEl>
+                                          </p:spTgt>
+                                        </p:tgtEl>
+                                        <p:attrNameLst>
+                                          <p:attrName>style.visibility</p:attrName>
+                                        </p:attrNameLst>
+                                      </p:cBhvr>
+                                      <p:to>
+                                        <p:strVal val="visible"/>
+                                      </p:to>
+                                    </p:set>
+                                  </p:childTnLst>
+                                </p:cTn>
+                              </p:par>
+                              <p:par>
+                                <p:cTn id="9" presetID="1" presetClass="entr" presetSubtype="0" fill="hold" nodeType="withEffect">
+                                  <p:stCondLst>
+                                    <p:cond delay="0"/>
+                                  </p:stCondLst>
+                                  <p:childTnLst>
+                                    <p:set>
+                                      <p:cBhvr>
+                                        <p:cTn id="10" dur="1" fill="hold">
+                                          <p:stCondLst>
+                                            <p:cond delay="0"/>
+                                          </p:stCondLst>
+                                        </p:cTn>
+                                        <p:tgtEl>
+                                          <p:spTgt spid="2">
+                                            <p:txEl>
+                                              <p:pRg st="3" end="3"/>
+                                            </p:txEl>
+                                          </p:spTgt>
+                                        </p:tgtEl>
+                                        <p:attrNameLst>
+                                          <p:attrName>style.visibility</p:attrName>
+                                        </p:attrNameLst>
+                                      </p:cBhvr>
+                                      <p:to>
+                                        <p:strVal val="visible"/>
+                                      </p:to>
+                                    </p:set>
+                                  </p:childTnLst>
+                                </p:cTn>
+                              </p:par>
+                              <p:par>
+                                <p:cTn id="11" presetID="1" presetClass="entr" presetSubtype="0" fill="hold" nodeType="withEffect">
+                                  <p:stCondLst>
+                                    <p:cond delay="0"/>
+                                  </p:stCondLst>
+                                  <p:childTnLst>
+                                    <p:set>
+                                      <p:cBhvr>
+                                        <p:cTn id="12" dur="1" fill="hold">
+                                          <p:stCondLst>
+                                            <p:cond delay="0"/>
+                                          </p:stCondLst>
+                                        </p:cTn>
+                                        <p:tgtEl>
+                                          <p:spTgt spid="2">
+                                            <p:txEl>
+                                              <p:pRg st="4" end="4"/>
+                                            </p:txEl>
+                                          </p:spTgt>
+                                        </p:tgtEl>
+                                        <p:attrNameLst>
+                                          <p:attrName>style.visibility</p:attrName>
+                                        </p:attrNameLst>
+                                      </p:cBhvr>
+                                      <p:to>
+                                        <p:strVal val="visible"/>
+                                      </p:to>
+                                    </p:set>
+                                  </p:childTnLst>
+                                </p:cTn>
+                              </p:par>
+                              <p:par>
+                                <p:cTn id="13" presetID="1" presetClass="entr" presetSubtype="0" fill="hold" nodeType="withEffect">
+                                  <p:stCondLst>
+                                    <p:cond delay="0"/>
+                                  </p:stCondLst>
+                                  <p:childTnLst>
+                                    <p:set>
+                                      <p:cBhvr>
+                                        <p:cTn id="14" dur="1" fill="hold">
+                                          <p:stCondLst>
+                                            <p:cond delay="0"/>
+                                          </p:stCondLst>
+                                        </p:cTn>
+                                        <p:tgtEl>
+                                          <p:spTgt spid="2">
+                                            <p:txEl>
+                                              <p:pRg st="5" end="5"/>
+                                            </p:txEl>
+                                          </p:spTgt>
+                                        </p:tgtEl>
+                                        <p:attrNameLst>
+                                          <p:attrName>style.visibility</p:attrName>
+                                        </p:attrNameLst>
+                                      </p:cBhvr>
+                                      <p:to>
+                                        <p:strVal val="visible"/>
+                                      </p:to>
+                                    </p:set>
+                                  </p:childTnLst>
+                                </p:cTn>
+                              </p:par>
+                              <p:par>
+                                <p:cTn id="15" presetID="1" presetClass="entr" presetSubtype="0" fill="hold" nodeType="withEffect">
+                                  <p:stCondLst>
+                                    <p:cond delay="0"/>
+                                  </p:stCondLst>
+                                  <p:childTnLst>
+                                    <p:set>
+                                      <p:cBhvr>
+                                        <p:cTn id="16" dur="1" fill="hold">
+                                          <p:stCondLst>
+                                            <p:cond delay="0"/>
+                                          </p:stCondLst>
+                                        </p:cTn>
+                                        <p:tgtEl>
+                                          <p:spTgt spid="2">
+                                            <p:txEl>
+                                              <p:pRg st="6" end="6"/>
+                                            </p:txEl>
+                                          </p:spTgt>
+                                        </p:tgtEl>
+                                        <p:attrNameLst>
+                                          <p:attrName>style.visibility</p:attrName>
+                                        </p:attrNameLst>
+                                      </p:cBhvr>
+                                      <p:to>
+                                        <p:strVal val="visible"/>
+                                      </p:to>
+                                    </p:set>
+                                  </p:childTnLst>
+                                </p:cTn>
+                              </p:par>
+                            </p:childTnLst>
+                          </p:cTn>
+                        </p:par>
+                      </p:childTnLst>
+                    </p:cTn>
+                  </p:par>
+                  <p:par>
+                    <p:cTn id="17" fill="hold">
+                      <p:stCondLst>
+                        <p:cond delay="indefinite"/>
+                      </p:stCondLst>
+                      <p:childTnLst>
+                        <p:par>
+                          <p:cTn id="18" fill="hold">
+                            <p:stCondLst>
+                              <p:cond delay="0"/>
+                            </p:stCondLst>
+                            <p:childTnLst>
+                              <p:par>
+                                <p:cTn id="19" presetID="1" presetClass="entr" presetSubtype="0" fill="hold" nodeType="clickEffect">
+                                  <p:stCondLst>
+                                    <p:cond delay="0"/>
+                                  </p:stCondLst>
+                                  <p:childTnLst>
+                                    <p:set>
+                                      <p:cBhvr>
+                                        <p:cTn id="20" dur="1" fill="hold">
+                                          <p:stCondLst>
+                                            <p:cond delay="0"/>
+                                          </p:stCondLst>
+                                        </p:cTn>
+                                        <p:tgtEl>
+                                          <p:spTgt spid="11"/>
+                                        </p:tgtEl>
+                                        <p:attrNameLst>
+                                          <p:attrName>style.visibility</p:attrName>
+                                        </p:attrNameLst>
+                                      </p:cBhvr>
+                                      <p:to>
+                                        <p:strVal val="visible"/>
+                                      </p:to>
+                                    </p:set>
+                                  </p:childTnLst>
+                                </p:cTn>
+                              </p:par>
+                            </p:childTnLst>
+                          </p:cTn>
+                        </p:par>
+                      </p:childTnLst>
+                    </p:cTn>
+                  </p:par>
+                  <p:par>
+                    <p:cTn id="21" fill="hold">
+                      <p:stCondLst>
+                        <p:cond delay="indefinite"/>
+                      </p:stCondLst>
+                      <p:childTnLst>
+                        <p:par>
+                          <p:cTn id="22" fill="hold">
+                            <p:stCondLst>
+                              <p:cond delay="0"/>
+                            </p:stCondLst>
+                            <p:childTnLst>
+                              <p:par>
+                                <p:cTn id="23" presetID="1" presetClass="entr" presetSubtype="0" fill="hold" nodeType="clickEffect">
+                                  <p:stCondLst>
+                                    <p:cond delay="0"/>
+                                  </p:stCondLst>
+                                  <p:childTnLst>
+                                    <p:set>
+                                      <p:cBhvr>
+                                        <p:cTn id="24" dur="1" fill="hold">
+                                          <p:stCondLst>
+                                            <p:cond delay="0"/>
+                                          </p:stCondLst>
+                                        </p:cTn>
+                                        <p:tgtEl>
+                                          <p:spTgt spid="2">
+                                            <p:txEl>
+                                              <p:pRg st="8" end="8"/>
+                                            </p:txEl>
+                                          </p:spTgt>
+                                        </p:tgtEl>
+                                        <p:attrNameLst>
+                                          <p:attrName>style.visibility</p:attrName>
+                                        </p:attrNameLst>
+                                      </p:cBhvr>
+                                      <p:to>
+                                        <p:strVal val="visible"/>
+                                      </p:to>
+                                    </p:set>
+                                  </p:childTnLst>
+                                </p:cTn>
+                              </p:par>
+                              <p:par>
+                                <p:cTn id="25" presetID="1" presetClass="entr" presetSubtype="0" fill="hold" nodeType="withEffect">
+                                  <p:stCondLst>
+                                    <p:cond delay="0"/>
+                                  </p:stCondLst>
+                                  <p:childTnLst>
+                                    <p:set>
+                                      <p:cBhvr>
+                                        <p:cTn id="26" dur="1" fill="hold">
+                                          <p:stCondLst>
+                                            <p:cond delay="0"/>
+                                          </p:stCondLst>
+                                        </p:cTn>
+                                        <p:tgtEl>
+                                          <p:spTgt spid="2">
+                                            <p:txEl>
+                                              <p:pRg st="9" end="9"/>
+                                            </p:txEl>
+                                          </p:spTgt>
+                                        </p:tgtEl>
+                                        <p:attrNameLst>
+                                          <p:attrName>style.visibility</p:attrName>
+                                        </p:attrNameLst>
+                                      </p:cBhvr>
+                                      <p:to>
+                                        <p:strVal val="visible"/>
+                                      </p:to>
+                                    </p:set>
+                                  </p:childTnLst>
+                                </p:cTn>
+                              </p:par>
+                              <p:par>
+                                <p:cTn id="27" presetID="1" presetClass="entr" presetSubtype="0" fill="hold" nodeType="withEffect">
+                                  <p:stCondLst>
+                                    <p:cond delay="0"/>
+                                  </p:stCondLst>
+                                  <p:childTnLst>
+                                    <p:set>
+                                      <p:cBhvr>
+                                        <p:cTn id="28" dur="1" fill="hold">
+                                          <p:stCondLst>
+                                            <p:cond delay="0"/>
+                                          </p:stCondLst>
+                                        </p:cTn>
+                                        <p:tgtEl>
+                                          <p:spTgt spid="2">
+                                            <p:txEl>
+                                              <p:pRg st="10" end="10"/>
+                                            </p:txEl>
+                                          </p:spTgt>
+                                        </p:tgtEl>
+                                        <p:attrNameLst>
+                                          <p:attrName>style.visibility</p:attrName>
+                                        </p:attrNameLst>
+                                      </p:cBhvr>
+                                      <p:to>
+                                        <p:strVal val="visible"/>
+                                      </p:to>
+                                    </p:set>
+                                  </p:childTnLst>
+                                </p:cTn>
+                              </p:par>
+                            </p:childTnLst>
+                          </p:cTn>
+                        </p:par>
+                      </p:childTnLst>
+                    </p:cTn>
+                  </p:par>
+                </p:childTnLst>
+              </p:cTn>
+              <p:prevCondLst>
+                <p:cond evt="onPrev" delay="0">
+                  <p:tgtEl>
+                    <p:sldTgt/>
+                  </p:tgtEl>
+                </p:cond>
+              </p:prevCondLst>
+              <p:nextCondLst>
+                <p:cond evt="onNext" delay="0">
+                  <p:tgtEl>
+                    <p:sldTgt/>
+                  </p:tgtEl>
+                </p:cond>
+              </p:nextCondLst>
+            </p:seq>
+          </p:childTnLst>
+        </p:cTn>
       </p:par>
     </p:tnLst>
   </p:timing>
@@ -3115,39 +3648,9 @@
           <a:chExt cx="0" cy="0"/>
         </a:xfrm>
       </p:grpSpPr>
-      <p:sp>
-        <p:nvSpPr>
-          <p:cNvPr id="4" name="TextBox 3"/>
-          <p:cNvSpPr txBox="1"/>
-          <p:nvPr/>
-        </p:nvSpPr>
-        <p:spPr>
-          <a:xfrm>
-            <a:off x="2115692" y="6196369"/>
-            <a:ext cx="7874000" cy="369332"/>
-          </a:xfrm>
-          <a:prstGeom prst="rect">
-            <a:avLst/>
-          </a:prstGeom>
-          <a:noFill/>
-        </p:spPr>
-        <p:txBody>
-          <a:bodyPr wrap="square" rtlCol="0">
-            <a:spAutoFit/>
-          </a:bodyPr>
-          <a:lstStyle/>
-          <a:p>
-            <a:r>
-              <a:rPr lang="en-AU" dirty="0" smtClean="0"/>
-              <a:t>PCA on all specimens, including unknown sex and dubious population identity </a:t>
-            </a:r>
-            <a:endParaRPr lang="en-AU" dirty="0"/>
-          </a:p>
-        </p:txBody>
-      </p:sp>
       <p:pic>
         <p:nvPicPr>
-          <p:cNvPr id="7" name="Picture 6"/>
+          <p:cNvPr id="3" name="Picture 2"/>
           <p:cNvPicPr>
             <a:picLocks noChangeAspect="1"/>
           </p:cNvPicPr>
@@ -3161,8 +3664,8 @@
         </p:blipFill>
         <p:spPr>
           <a:xfrm>
-            <a:off x="1117769" y="593056"/>
-            <a:ext cx="9869846" cy="5465042"/>
+            <a:off x="0" y="139671"/>
+            <a:ext cx="11705334" cy="6408975"/>
           </a:xfrm>
           <a:prstGeom prst="rect">
             <a:avLst/>
@@ -3172,7 +3675,7 @@
     </p:spTree>
     <p:extLst>
       <p:ext uri="{BB962C8B-B14F-4D97-AF65-F5344CB8AC3E}">
-        <p14:creationId xmlns:p14="http://schemas.microsoft.com/office/powerpoint/2010/main" val="2703465920"/>
+        <p14:creationId xmlns:p14="http://schemas.microsoft.com/office/powerpoint/2010/main" val="660442699"/>
       </p:ext>
     </p:extLst>
   </p:cSld>
@@ -3208,24 +3711,19 @@
       </p:grpSpPr>
       <p:sp>
         <p:nvSpPr>
-          <p:cNvPr id="3" name="TextBox 2"/>
+          <p:cNvPr id="4" name="TextBox 3"/>
           <p:cNvSpPr txBox="1"/>
           <p:nvPr/>
         </p:nvSpPr>
         <p:spPr>
           <a:xfrm>
-            <a:off x="8987246" y="2074752"/>
-            <a:ext cx="2886891" cy="2585323"/>
+            <a:off x="2115692" y="6196369"/>
+            <a:ext cx="7874000" cy="369332"/>
           </a:xfrm>
           <a:prstGeom prst="rect">
             <a:avLst/>
           </a:prstGeom>
           <a:noFill/>
-          <a:ln>
-            <a:solidFill>
-              <a:schemeClr val="tx1"/>
-            </a:solidFill>
-          </a:ln>
         </p:spPr>
         <p:txBody>
           <a:bodyPr wrap="square" rtlCol="0">
@@ -3235,60 +3733,15 @@
           <a:p>
             <a:r>
               <a:rPr lang="en-AU" dirty="0" smtClean="0"/>
-              <a:t>ANOVA on sex as a predictor of size variation</a:t>
-            </a:r>
-          </a:p>
-          <a:p>
-            <a:endParaRPr lang="en-AU" dirty="0"/>
-          </a:p>
-          <a:p>
-            <a:r>
-              <a:rPr lang="en-AU" dirty="0" smtClean="0"/>
-              <a:t>Adj. R</a:t>
-            </a:r>
-            <a:r>
-              <a:rPr lang="en-AU" baseline="30000" dirty="0" smtClean="0"/>
-              <a:t>2</a:t>
-            </a:r>
-            <a:r>
-              <a:rPr lang="en-AU" dirty="0" smtClean="0"/>
-              <a:t> = 0.328</a:t>
-            </a:r>
-          </a:p>
-          <a:p>
-            <a:r>
-              <a:rPr lang="en-AU" dirty="0" smtClean="0"/>
-              <a:t>F</a:t>
-            </a:r>
-            <a:r>
-              <a:rPr lang="en-AU" baseline="-25000" dirty="0" smtClean="0"/>
-              <a:t>1,158</a:t>
-            </a:r>
-            <a:r>
-              <a:rPr lang="en-AU" dirty="0" smtClean="0"/>
-              <a:t> = 78.68</a:t>
-            </a:r>
-          </a:p>
-          <a:p>
-            <a:r>
-              <a:rPr lang="en-AU" dirty="0" smtClean="0"/>
-              <a:t>p = 1.485e-15</a:t>
-            </a:r>
-          </a:p>
-          <a:p>
-            <a:endParaRPr lang="en-AU" dirty="0" smtClean="0"/>
-          </a:p>
-          <a:p>
-            <a:endParaRPr lang="en-AU" dirty="0" smtClean="0"/>
-          </a:p>
-          <a:p>
+              <a:t>PCA on all specimens, including unknown sex and dubious population identity </a:t>
+            </a:r>
             <a:endParaRPr lang="en-AU" dirty="0"/>
           </a:p>
         </p:txBody>
       </p:sp>
       <p:pic>
         <p:nvPicPr>
-          <p:cNvPr id="5" name="Picture 4"/>
+          <p:cNvPr id="6" name="Picture 5"/>
           <p:cNvPicPr>
             <a:picLocks noChangeAspect="1"/>
           </p:cNvPicPr>
@@ -3302,8 +3755,8 @@
         </p:blipFill>
         <p:spPr>
           <a:xfrm>
-            <a:off x="204182" y="1093693"/>
-            <a:ext cx="8783064" cy="4863279"/>
+            <a:off x="564388" y="118501"/>
+            <a:ext cx="10976607" cy="6077868"/>
           </a:xfrm>
           <a:prstGeom prst="rect">
             <a:avLst/>
@@ -3313,7 +3766,7 @@
     </p:spTree>
     <p:extLst>
       <p:ext uri="{BB962C8B-B14F-4D97-AF65-F5344CB8AC3E}">
-        <p14:creationId xmlns:p14="http://schemas.microsoft.com/office/powerpoint/2010/main" val="3348825716"/>
+        <p14:creationId xmlns:p14="http://schemas.microsoft.com/office/powerpoint/2010/main" val="2703465920"/>
       </p:ext>
     </p:extLst>
   </p:cSld>
@@ -3347,6 +3800,170 @@
           <a:chExt cx="0" cy="0"/>
         </a:xfrm>
       </p:grpSpPr>
+      <p:pic>
+        <p:nvPicPr>
+          <p:cNvPr id="4" name="Picture 3"/>
+          <p:cNvPicPr>
+            <a:picLocks noChangeAspect="1"/>
+          </p:cNvPicPr>
+          <p:nvPr/>
+        </p:nvPicPr>
+        <p:blipFill>
+          <a:blip r:embed="rId2"/>
+          <a:stretch>
+            <a:fillRect/>
+          </a:stretch>
+        </p:blipFill>
+        <p:spPr>
+          <a:xfrm>
+            <a:off x="125486" y="1071154"/>
+            <a:ext cx="9530954" cy="5277394"/>
+          </a:xfrm>
+          <a:prstGeom prst="rect">
+            <a:avLst/>
+          </a:prstGeom>
+        </p:spPr>
+      </p:pic>
+      <p:sp>
+        <p:nvSpPr>
+          <p:cNvPr id="3" name="TextBox 2"/>
+          <p:cNvSpPr txBox="1"/>
+          <p:nvPr/>
+        </p:nvSpPr>
+        <p:spPr>
+          <a:xfrm>
+            <a:off x="9211976" y="4040711"/>
+            <a:ext cx="2742958" cy="1815882"/>
+          </a:xfrm>
+          <a:prstGeom prst="rect">
+            <a:avLst/>
+          </a:prstGeom>
+          <a:noFill/>
+          <a:ln>
+            <a:solidFill>
+              <a:schemeClr val="tx1"/>
+            </a:solidFill>
+          </a:ln>
+        </p:spPr>
+        <p:txBody>
+          <a:bodyPr wrap="square" rtlCol="0">
+            <a:spAutoFit/>
+          </a:bodyPr>
+          <a:lstStyle/>
+          <a:p>
+            <a:r>
+              <a:rPr lang="en-AU" sz="1400" dirty="0" smtClean="0"/>
+              <a:t>Sex as </a:t>
+            </a:r>
+            <a:r>
+              <a:rPr lang="en-AU" sz="1400" dirty="0" smtClean="0"/>
+              <a:t>a predictor of size variation</a:t>
+            </a:r>
+          </a:p>
+          <a:p>
+            <a:endParaRPr lang="en-AU" sz="1400" dirty="0"/>
+          </a:p>
+          <a:p>
+            <a:r>
+              <a:rPr lang="en-AU" sz="1400" dirty="0" smtClean="0"/>
+              <a:t>Adj. R</a:t>
+            </a:r>
+            <a:r>
+              <a:rPr lang="en-AU" sz="1400" baseline="30000" dirty="0" smtClean="0"/>
+              <a:t>2</a:t>
+            </a:r>
+            <a:r>
+              <a:rPr lang="en-AU" sz="1400" dirty="0" smtClean="0"/>
+              <a:t> = </a:t>
+            </a:r>
+            <a:r>
+              <a:rPr lang="en-AU" sz="1400" dirty="0" smtClean="0"/>
+              <a:t>0.355</a:t>
+            </a:r>
+            <a:endParaRPr lang="en-AU" sz="1400" dirty="0" smtClean="0"/>
+          </a:p>
+          <a:p>
+            <a:r>
+              <a:rPr lang="en-AU" sz="1400" dirty="0" smtClean="0"/>
+              <a:t>F</a:t>
+            </a:r>
+            <a:r>
+              <a:rPr lang="en-AU" sz="1400" baseline="-25000" dirty="0" smtClean="0"/>
+              <a:t>1,157</a:t>
+            </a:r>
+            <a:r>
+              <a:rPr lang="en-AU" sz="1400" dirty="0" smtClean="0"/>
+              <a:t> </a:t>
+            </a:r>
+            <a:r>
+              <a:rPr lang="en-AU" sz="1400" dirty="0" smtClean="0"/>
+              <a:t>= </a:t>
+            </a:r>
+            <a:r>
+              <a:rPr lang="en-AU" sz="1400" dirty="0" smtClean="0"/>
+              <a:t>87.92</a:t>
+            </a:r>
+            <a:endParaRPr lang="en-AU" sz="1400" dirty="0" smtClean="0"/>
+          </a:p>
+          <a:p>
+            <a:r>
+              <a:rPr lang="en-AU" sz="1400" dirty="0" smtClean="0"/>
+              <a:t>p </a:t>
+            </a:r>
+            <a:r>
+              <a:rPr lang="en-AU" sz="1400" dirty="0" smtClean="0"/>
+              <a:t>&lt; 0.001</a:t>
+            </a:r>
+            <a:endParaRPr lang="en-AU" sz="1400" dirty="0" smtClean="0"/>
+          </a:p>
+          <a:p>
+            <a:endParaRPr lang="en-AU" sz="1400" dirty="0" smtClean="0"/>
+          </a:p>
+          <a:p>
+            <a:endParaRPr lang="en-AU" sz="1400" dirty="0" smtClean="0"/>
+          </a:p>
+          <a:p>
+            <a:endParaRPr lang="en-AU" sz="1400" dirty="0"/>
+          </a:p>
+        </p:txBody>
+      </p:sp>
+    </p:spTree>
+    <p:extLst>
+      <p:ext uri="{BB962C8B-B14F-4D97-AF65-F5344CB8AC3E}">
+        <p14:creationId xmlns:p14="http://schemas.microsoft.com/office/powerpoint/2010/main" val="3348825716"/>
+      </p:ext>
+    </p:extLst>
+  </p:cSld>
+  <p:clrMapOvr>
+    <a:masterClrMapping/>
+  </p:clrMapOvr>
+  <p:timing>
+    <p:tnLst>
+      <p:par>
+        <p:cTn id="1" dur="indefinite" restart="never" nodeType="tmRoot"/>
+      </p:par>
+    </p:tnLst>
+  </p:timing>
+</p:sld>
+</file>
+
+<file path=ppt/slides/slide5.xml><?xml version="1.0" encoding="utf-8"?>
+<p:sld xmlns:a="http://schemas.openxmlformats.org/drawingml/2006/main" xmlns:r="http://schemas.openxmlformats.org/officeDocument/2006/relationships" xmlns:p="http://schemas.openxmlformats.org/presentationml/2006/main">
+  <p:cSld>
+    <p:spTree>
+      <p:nvGrpSpPr>
+        <p:cNvPr id="1" name=""/>
+        <p:cNvGrpSpPr/>
+        <p:nvPr/>
+      </p:nvGrpSpPr>
+      <p:grpSpPr>
+        <a:xfrm>
+          <a:off x="0" y="0"/>
+          <a:ext cx="0" cy="0"/>
+          <a:chOff x="0" y="0"/>
+          <a:chExt cx="0" cy="0"/>
+        </a:xfrm>
+      </p:grpSpPr>
       <p:sp>
         <p:nvSpPr>
           <p:cNvPr id="3" name="TextBox 2"/>
@@ -3377,6 +3994,331 @@
           </a:p>
         </p:txBody>
       </p:sp>
+      <p:sp>
+        <p:nvSpPr>
+          <p:cNvPr id="6" name="TextBox 5"/>
+          <p:cNvSpPr txBox="1"/>
+          <p:nvPr/>
+        </p:nvSpPr>
+        <p:spPr>
+          <a:xfrm>
+            <a:off x="8889032" y="652957"/>
+            <a:ext cx="2886891" cy="5047536"/>
+          </a:xfrm>
+          <a:prstGeom prst="rect">
+            <a:avLst/>
+          </a:prstGeom>
+          <a:noFill/>
+          <a:ln>
+            <a:solidFill>
+              <a:schemeClr val="tx1"/>
+            </a:solidFill>
+          </a:ln>
+        </p:spPr>
+        <p:txBody>
+          <a:bodyPr wrap="square" rtlCol="0">
+            <a:spAutoFit/>
+          </a:bodyPr>
+          <a:lstStyle/>
+          <a:p>
+            <a:r>
+              <a:rPr lang="en-AU" sz="1400" dirty="0" smtClean="0"/>
+              <a:t>Procrustes ANOVAs</a:t>
+            </a:r>
+          </a:p>
+          <a:p>
+            <a:endParaRPr lang="en-AU" sz="1400" dirty="0" smtClean="0"/>
+          </a:p>
+          <a:p>
+            <a:r>
+              <a:rPr lang="en-AU" sz="1400" dirty="0" smtClean="0"/>
+              <a:t>Are sexes different in shape?</a:t>
+            </a:r>
+          </a:p>
+          <a:p>
+            <a:r>
+              <a:rPr lang="en-AU" sz="1400" dirty="0" smtClean="0"/>
+              <a:t>(</a:t>
+            </a:r>
+            <a:r>
+              <a:rPr lang="en-AU" sz="1400" dirty="0" err="1" smtClean="0"/>
+              <a:t>shape~sex</a:t>
+            </a:r>
+            <a:r>
+              <a:rPr lang="en-AU" sz="1400" dirty="0" smtClean="0"/>
+              <a:t>)</a:t>
+            </a:r>
+          </a:p>
+          <a:p>
+            <a:endParaRPr lang="en-AU" sz="1400" dirty="0" smtClean="0"/>
+          </a:p>
+          <a:p>
+            <a:r>
+              <a:rPr lang="en-AU" sz="1400" dirty="0" smtClean="0"/>
+              <a:t>R</a:t>
+            </a:r>
+            <a:r>
+              <a:rPr lang="en-AU" sz="1400" baseline="30000" dirty="0" smtClean="0"/>
+              <a:t>2</a:t>
+            </a:r>
+            <a:r>
+              <a:rPr lang="en-AU" sz="1400" dirty="0" smtClean="0"/>
+              <a:t> = </a:t>
+            </a:r>
+            <a:r>
+              <a:rPr lang="en-AU" sz="1400" dirty="0" smtClean="0"/>
+              <a:t>0.038</a:t>
+            </a:r>
+            <a:endParaRPr lang="en-AU" sz="1400" dirty="0" smtClean="0"/>
+          </a:p>
+          <a:p>
+            <a:r>
+              <a:rPr lang="en-AU" sz="1400" dirty="0" smtClean="0"/>
+              <a:t>F</a:t>
+            </a:r>
+            <a:r>
+              <a:rPr lang="en-AU" sz="1400" baseline="-25000" dirty="0" smtClean="0"/>
+              <a:t>1, 157</a:t>
+            </a:r>
+            <a:r>
+              <a:rPr lang="en-AU" sz="1400" dirty="0" smtClean="0"/>
+              <a:t> </a:t>
+            </a:r>
+            <a:r>
+              <a:rPr lang="en-AU" sz="1400" dirty="0" smtClean="0"/>
+              <a:t>= </a:t>
+            </a:r>
+            <a:r>
+              <a:rPr lang="en-AU" sz="1400" dirty="0" smtClean="0"/>
+              <a:t>6.197</a:t>
+            </a:r>
+            <a:endParaRPr lang="en-AU" sz="1400" dirty="0" smtClean="0"/>
+          </a:p>
+          <a:p>
+            <a:r>
+              <a:rPr lang="en-AU" sz="1400" dirty="0"/>
+              <a:t>p</a:t>
+            </a:r>
+            <a:r>
+              <a:rPr lang="en-AU" sz="1400" dirty="0" smtClean="0"/>
+              <a:t> = 0.001</a:t>
+            </a:r>
+          </a:p>
+          <a:p>
+            <a:endParaRPr lang="en-AU" sz="1400" dirty="0"/>
+          </a:p>
+          <a:p>
+            <a:r>
+              <a:rPr lang="en-AU" sz="1400" dirty="0" smtClean="0"/>
+              <a:t>Do they have unique </a:t>
+            </a:r>
+            <a:r>
+              <a:rPr lang="en-AU" sz="1400" dirty="0" err="1" smtClean="0"/>
+              <a:t>allometries</a:t>
+            </a:r>
+            <a:r>
+              <a:rPr lang="en-AU" sz="1400" dirty="0" smtClean="0"/>
+              <a:t>? (</a:t>
+            </a:r>
+            <a:r>
+              <a:rPr lang="en-AU" sz="1400" dirty="0" err="1" smtClean="0"/>
+              <a:t>shape~size</a:t>
+            </a:r>
+            <a:r>
+              <a:rPr lang="en-AU" sz="1400" dirty="0" smtClean="0"/>
+              <a:t>*sex</a:t>
+            </a:r>
+            <a:r>
+              <a:rPr lang="en-AU" sz="1400" dirty="0" smtClean="0"/>
+              <a:t>)</a:t>
+            </a:r>
+          </a:p>
+          <a:p>
+            <a:endParaRPr lang="en-AU" sz="1400" dirty="0" smtClean="0"/>
+          </a:p>
+          <a:p>
+            <a:r>
+              <a:rPr lang="en-AU" sz="1400" dirty="0" smtClean="0"/>
+              <a:t>R</a:t>
+            </a:r>
+            <a:r>
+              <a:rPr lang="en-AU" sz="1400" baseline="30000" dirty="0" smtClean="0"/>
+              <a:t>2</a:t>
+            </a:r>
+            <a:r>
+              <a:rPr lang="en-AU" sz="1400" dirty="0" smtClean="0"/>
+              <a:t> = </a:t>
+            </a:r>
+            <a:r>
+              <a:rPr lang="en-AU" sz="1400" dirty="0" smtClean="0"/>
+              <a:t>0.005</a:t>
+            </a:r>
+            <a:endParaRPr lang="en-AU" sz="1400" dirty="0" smtClean="0"/>
+          </a:p>
+          <a:p>
+            <a:r>
+              <a:rPr lang="en-AU" sz="1400" dirty="0" smtClean="0"/>
+              <a:t>F</a:t>
+            </a:r>
+            <a:r>
+              <a:rPr lang="en-AU" sz="1400" baseline="-25000" dirty="0" smtClean="0"/>
+              <a:t>1, 155 </a:t>
+            </a:r>
+            <a:r>
+              <a:rPr lang="en-AU" sz="1400" dirty="0" smtClean="0"/>
+              <a:t>= </a:t>
+            </a:r>
+            <a:r>
+              <a:rPr lang="en-AU" sz="1400" dirty="0" smtClean="0"/>
+              <a:t>0.919</a:t>
+            </a:r>
+            <a:endParaRPr lang="en-AU" sz="1400" dirty="0" smtClean="0"/>
+          </a:p>
+          <a:p>
+            <a:r>
+              <a:rPr lang="en-AU" sz="1400" dirty="0" smtClean="0"/>
+              <a:t>p = </a:t>
+            </a:r>
+            <a:r>
+              <a:rPr lang="en-AU" sz="1400" dirty="0" smtClean="0"/>
+              <a:t>0.556</a:t>
+            </a:r>
+            <a:endParaRPr lang="en-AU" sz="1400" dirty="0"/>
+          </a:p>
+          <a:p>
+            <a:endParaRPr lang="en-AU" sz="1400" dirty="0" smtClean="0"/>
+          </a:p>
+          <a:p>
+            <a:r>
+              <a:rPr lang="en-AU" sz="1400" dirty="0" smtClean="0"/>
+              <a:t>Adjusting for size, are sexes different in shape? (</a:t>
+            </a:r>
+            <a:r>
+              <a:rPr lang="en-AU" sz="1400" dirty="0" err="1" smtClean="0"/>
+              <a:t>shape~size+sex</a:t>
+            </a:r>
+            <a:r>
+              <a:rPr lang="en-AU" sz="1400" dirty="0" smtClean="0"/>
+              <a:t>)</a:t>
+            </a:r>
+          </a:p>
+          <a:p>
+            <a:endParaRPr lang="en-AU" sz="1400" dirty="0" smtClean="0"/>
+          </a:p>
+          <a:p>
+            <a:r>
+              <a:rPr lang="en-AU" sz="1400" dirty="0" smtClean="0"/>
+              <a:t>R</a:t>
+            </a:r>
+            <a:r>
+              <a:rPr lang="en-AU" sz="1400" baseline="30000" dirty="0" smtClean="0"/>
+              <a:t>2</a:t>
+            </a:r>
+            <a:r>
+              <a:rPr lang="en-AU" sz="1400" dirty="0" smtClean="0"/>
+              <a:t> = </a:t>
+            </a:r>
+            <a:r>
+              <a:rPr lang="en-AU" sz="1400" dirty="0" smtClean="0"/>
+              <a:t>0.014</a:t>
+            </a:r>
+            <a:endParaRPr lang="en-AU" sz="1400" dirty="0" smtClean="0"/>
+          </a:p>
+          <a:p>
+            <a:r>
+              <a:rPr lang="en-AU" sz="1400" dirty="0" smtClean="0"/>
+              <a:t>F</a:t>
+            </a:r>
+            <a:r>
+              <a:rPr lang="en-AU" sz="1400" baseline="-25000" dirty="0" smtClean="0"/>
+              <a:t>1, 156</a:t>
+            </a:r>
+            <a:r>
+              <a:rPr lang="en-AU" sz="1400" dirty="0" smtClean="0"/>
+              <a:t> </a:t>
+            </a:r>
+            <a:r>
+              <a:rPr lang="en-AU" sz="1400" dirty="0" smtClean="0"/>
+              <a:t>= </a:t>
+            </a:r>
+            <a:r>
+              <a:rPr lang="en-AU" sz="1400" dirty="0" smtClean="0"/>
+              <a:t>2.451</a:t>
+            </a:r>
+            <a:endParaRPr lang="en-AU" sz="1400" dirty="0" smtClean="0"/>
+          </a:p>
+          <a:p>
+            <a:r>
+              <a:rPr lang="en-AU" sz="1400" dirty="0" smtClean="0"/>
+              <a:t>p = 0.003</a:t>
+            </a:r>
+          </a:p>
+          <a:p>
+            <a:endParaRPr lang="en-AU" sz="1400" dirty="0"/>
+          </a:p>
+        </p:txBody>
+      </p:sp>
+      <p:pic>
+        <p:nvPicPr>
+          <p:cNvPr id="2" name="Picture 1"/>
+          <p:cNvPicPr>
+            <a:picLocks noChangeAspect="1"/>
+          </p:cNvPicPr>
+          <p:nvPr/>
+        </p:nvPicPr>
+        <p:blipFill>
+          <a:blip r:embed="rId2"/>
+          <a:stretch>
+            <a:fillRect/>
+          </a:stretch>
+        </p:blipFill>
+        <p:spPr>
+          <a:xfrm>
+            <a:off x="103994" y="923891"/>
+            <a:ext cx="8460297" cy="4684559"/>
+          </a:xfrm>
+          <a:prstGeom prst="rect">
+            <a:avLst/>
+          </a:prstGeom>
+        </p:spPr>
+      </p:pic>
+    </p:spTree>
+    <p:extLst>
+      <p:ext uri="{BB962C8B-B14F-4D97-AF65-F5344CB8AC3E}">
+        <p14:creationId xmlns:p14="http://schemas.microsoft.com/office/powerpoint/2010/main" val="922373890"/>
+      </p:ext>
+    </p:extLst>
+  </p:cSld>
+  <p:clrMapOvr>
+    <a:masterClrMapping/>
+  </p:clrMapOvr>
+  <p:timing>
+    <p:tnLst>
+      <p:par>
+        <p:cTn id="1" dur="indefinite" restart="never" nodeType="tmRoot"/>
+      </p:par>
+    </p:tnLst>
+  </p:timing>
+</p:sld>
+</file>
+
+<file path=ppt/slides/slide6.xml><?xml version="1.0" encoding="utf-8"?>
+<p:sld xmlns:a="http://schemas.openxmlformats.org/drawingml/2006/main" xmlns:r="http://schemas.openxmlformats.org/officeDocument/2006/relationships" xmlns:p="http://schemas.openxmlformats.org/presentationml/2006/main">
+  <p:cSld>
+    <p:spTree>
+      <p:nvGrpSpPr>
+        <p:cNvPr id="1" name=""/>
+        <p:cNvGrpSpPr/>
+        <p:nvPr/>
+      </p:nvGrpSpPr>
+      <p:grpSpPr>
+        <a:xfrm>
+          <a:off x="0" y="0"/>
+          <a:ext cx="0" cy="0"/>
+          <a:chOff x="0" y="0"/>
+          <a:chExt cx="0" cy="0"/>
+        </a:xfrm>
+      </p:grpSpPr>
       <p:pic>
         <p:nvPicPr>
           <p:cNvPr id="5" name="Picture 4"/>
@@ -3393,8 +4335,8 @@
         </p:blipFill>
         <p:spPr>
           <a:xfrm>
-            <a:off x="288208" y="940527"/>
-            <a:ext cx="8091873" cy="4480559"/>
+            <a:off x="177302" y="452437"/>
+            <a:ext cx="6231659" cy="3450538"/>
           </a:xfrm>
           <a:prstGeom prst="rect">
             <a:avLst/>
@@ -3409,8 +4351,8 @@
         </p:nvSpPr>
         <p:spPr>
           <a:xfrm>
-            <a:off x="8804366" y="337392"/>
-            <a:ext cx="2886891" cy="6186309"/>
+            <a:off x="6662962" y="952129"/>
+            <a:ext cx="1295705" cy="2369880"/>
           </a:xfrm>
           <a:prstGeom prst="rect">
             <a:avLst/>
@@ -3429,191 +4371,646 @@
           <a:lstStyle/>
           <a:p>
             <a:r>
-              <a:rPr lang="en-AU" dirty="0" smtClean="0"/>
-              <a:t>Procrustes ANOVAs</a:t>
-            </a:r>
-          </a:p>
-          <a:p>
-            <a:endParaRPr lang="en-AU" dirty="0" smtClean="0"/>
-          </a:p>
-          <a:p>
-            <a:r>
-              <a:rPr lang="en-AU" dirty="0" smtClean="0"/>
-              <a:t>Are sexes different in shape?</a:t>
-            </a:r>
-          </a:p>
-          <a:p>
-            <a:r>
-              <a:rPr lang="en-AU" dirty="0" smtClean="0"/>
-              <a:t>(</a:t>
-            </a:r>
-            <a:r>
-              <a:rPr lang="en-AU" dirty="0" err="1" smtClean="0"/>
-              <a:t>shape~sex</a:t>
-            </a:r>
-            <a:r>
-              <a:rPr lang="en-AU" dirty="0" smtClean="0"/>
+              <a:rPr lang="en-AU" sz="1400" dirty="0" smtClean="0"/>
+              <a:t>Procrustes </a:t>
+            </a:r>
+            <a:r>
+              <a:rPr lang="en-AU" sz="1400" dirty="0" smtClean="0"/>
+              <a:t>ANOVA allometry (</a:t>
+            </a:r>
+            <a:r>
+              <a:rPr lang="en-AU" sz="1400" dirty="0" err="1" smtClean="0"/>
+              <a:t>shape~size</a:t>
+            </a:r>
+            <a:r>
+              <a:rPr lang="en-AU" sz="1400" dirty="0" smtClean="0"/>
               <a:t>)</a:t>
             </a:r>
           </a:p>
           <a:p>
-            <a:r>
-              <a:rPr lang="en-AU" dirty="0" smtClean="0"/>
+            <a:endParaRPr lang="en-AU" sz="1400" dirty="0" smtClean="0"/>
+          </a:p>
+          <a:p>
+            <a:r>
+              <a:rPr lang="en-AU" sz="1400" dirty="0" smtClean="0"/>
               <a:t>R</a:t>
             </a:r>
             <a:r>
-              <a:rPr lang="en-AU" baseline="30000" dirty="0" smtClean="0"/>
+              <a:rPr lang="en-AU" sz="1400" baseline="30000" dirty="0" smtClean="0"/>
               <a:t>2</a:t>
             </a:r>
             <a:r>
-              <a:rPr lang="en-AU" dirty="0" smtClean="0"/>
-              <a:t> = 0.036</a:t>
-            </a:r>
-          </a:p>
-          <a:p>
-            <a:r>
-              <a:rPr lang="en-AU" dirty="0" smtClean="0"/>
+              <a:rPr lang="en-AU" sz="1400" dirty="0" smtClean="0"/>
+              <a:t> = 0.137</a:t>
+            </a:r>
+          </a:p>
+          <a:p>
+            <a:r>
+              <a:rPr lang="en-AU" sz="1400" dirty="0" smtClean="0"/>
               <a:t>F</a:t>
             </a:r>
             <a:r>
-              <a:rPr lang="en-AU" baseline="-25000" dirty="0" smtClean="0"/>
-              <a:t>1,158</a:t>
-            </a:r>
-            <a:r>
-              <a:rPr lang="en-AU" dirty="0" smtClean="0"/>
-              <a:t> = 5.937</a:t>
-            </a:r>
-          </a:p>
-          <a:p>
-            <a:r>
-              <a:rPr lang="en-AU" dirty="0"/>
-              <a:t>p</a:t>
-            </a:r>
-            <a:r>
-              <a:rPr lang="en-AU" dirty="0" smtClean="0"/>
-              <a:t> = 0.001</a:t>
-            </a:r>
-          </a:p>
-          <a:p>
-            <a:endParaRPr lang="en-AU" dirty="0"/>
-          </a:p>
-          <a:p>
-            <a:r>
-              <a:rPr lang="en-AU" dirty="0" smtClean="0"/>
+              <a:rPr lang="en-AU" sz="1400" baseline="-25000" dirty="0" smtClean="0"/>
+              <a:t>1, 127</a:t>
+            </a:r>
+            <a:r>
+              <a:rPr lang="en-AU" sz="1400" dirty="0" smtClean="0"/>
+              <a:t> = 20.115</a:t>
+            </a:r>
+          </a:p>
+          <a:p>
+            <a:r>
+              <a:rPr lang="en-AU" sz="1400" dirty="0" smtClean="0"/>
+              <a:t>p = 0.001</a:t>
+            </a:r>
+            <a:endParaRPr lang="en-AU" sz="1400" dirty="0" smtClean="0"/>
+          </a:p>
+          <a:p>
+            <a:endParaRPr lang="en-AU" sz="1600" dirty="0" smtClean="0"/>
+          </a:p>
+          <a:p>
+            <a:endParaRPr lang="en-AU" sz="1600" dirty="0"/>
+          </a:p>
+        </p:txBody>
+      </p:sp>
+      <p:pic>
+        <p:nvPicPr>
+          <p:cNvPr id="7" name="Picture 6"/>
+          <p:cNvPicPr>
+            <a:picLocks noChangeAspect="1"/>
+          </p:cNvPicPr>
+          <p:nvPr/>
+        </p:nvPicPr>
+        <p:blipFill>
+          <a:blip r:embed="rId3"/>
+          <a:stretch>
+            <a:fillRect/>
+          </a:stretch>
+        </p:blipFill>
+        <p:spPr>
+          <a:xfrm>
+            <a:off x="6206116" y="3623733"/>
+            <a:ext cx="5573134" cy="3085905"/>
+          </a:xfrm>
+          <a:prstGeom prst="rect">
+            <a:avLst/>
+          </a:prstGeom>
+        </p:spPr>
+      </p:pic>
+      <p:sp>
+        <p:nvSpPr>
+          <p:cNvPr id="8" name="TextBox 7"/>
+          <p:cNvSpPr txBox="1"/>
+          <p:nvPr/>
+        </p:nvSpPr>
+        <p:spPr>
+          <a:xfrm>
+            <a:off x="3666115" y="4299714"/>
+            <a:ext cx="2048934" cy="1815882"/>
+          </a:xfrm>
+          <a:prstGeom prst="rect">
+            <a:avLst/>
+          </a:prstGeom>
+          <a:noFill/>
+          <a:ln>
+            <a:solidFill>
+              <a:schemeClr val="tx1"/>
+            </a:solidFill>
+          </a:ln>
+        </p:spPr>
+        <p:txBody>
+          <a:bodyPr wrap="square" rtlCol="0">
+            <a:spAutoFit/>
+          </a:bodyPr>
+          <a:lstStyle/>
+          <a:p>
+            <a:r>
+              <a:rPr lang="en-AU" sz="1400" dirty="0" smtClean="0"/>
+              <a:t>Population identity as </a:t>
+            </a:r>
+            <a:r>
+              <a:rPr lang="en-AU" sz="1400" dirty="0" smtClean="0"/>
+              <a:t>a predictor of size </a:t>
+            </a:r>
+            <a:r>
+              <a:rPr lang="en-AU" sz="1400" dirty="0" smtClean="0"/>
+              <a:t>variation</a:t>
+            </a:r>
+            <a:endParaRPr lang="en-AU" sz="1400" dirty="0"/>
+          </a:p>
+          <a:p>
+            <a:r>
+              <a:rPr lang="en-AU" sz="1400" dirty="0" smtClean="0"/>
+              <a:t>Adj. R</a:t>
+            </a:r>
+            <a:r>
+              <a:rPr lang="en-AU" sz="1400" baseline="30000" dirty="0" smtClean="0"/>
+              <a:t>2</a:t>
+            </a:r>
+            <a:r>
+              <a:rPr lang="en-AU" sz="1400" dirty="0" smtClean="0"/>
+              <a:t> = </a:t>
+            </a:r>
+            <a:r>
+              <a:rPr lang="en-AU" sz="1400" dirty="0" smtClean="0"/>
+              <a:t>0.338</a:t>
+            </a:r>
+            <a:endParaRPr lang="en-AU" sz="1400" dirty="0" smtClean="0"/>
+          </a:p>
+          <a:p>
+            <a:r>
+              <a:rPr lang="en-AU" sz="1400" dirty="0" smtClean="0"/>
+              <a:t>F</a:t>
+            </a:r>
+            <a:r>
+              <a:rPr lang="en-AU" sz="1400" baseline="-25000" dirty="0" smtClean="0"/>
+              <a:t>2</a:t>
+            </a:r>
+            <a:r>
+              <a:rPr lang="en-AU" sz="1400" baseline="-25000" dirty="0" smtClean="0"/>
+              <a:t>, 126</a:t>
+            </a:r>
+            <a:r>
+              <a:rPr lang="en-AU" sz="1400" dirty="0" smtClean="0"/>
+              <a:t> </a:t>
+            </a:r>
+            <a:r>
+              <a:rPr lang="en-AU" sz="1400" dirty="0" smtClean="0"/>
+              <a:t>= </a:t>
+            </a:r>
+            <a:r>
+              <a:rPr lang="en-AU" sz="1400" dirty="0" smtClean="0"/>
+              <a:t>32.096</a:t>
+            </a:r>
+            <a:endParaRPr lang="en-AU" sz="1400" dirty="0" smtClean="0"/>
+          </a:p>
+          <a:p>
+            <a:r>
+              <a:rPr lang="en-AU" sz="1400" dirty="0" smtClean="0"/>
+              <a:t>p </a:t>
+            </a:r>
+            <a:r>
+              <a:rPr lang="en-AU" sz="1400" dirty="0" smtClean="0"/>
+              <a:t>= 0.001</a:t>
+            </a:r>
+            <a:endParaRPr lang="en-AU" sz="1400" dirty="0" smtClean="0"/>
+          </a:p>
+          <a:p>
+            <a:endParaRPr lang="en-AU" sz="1400" dirty="0" smtClean="0"/>
+          </a:p>
+          <a:p>
+            <a:endParaRPr lang="en-AU" sz="1400" dirty="0" smtClean="0"/>
+          </a:p>
+          <a:p>
+            <a:endParaRPr lang="en-AU" sz="1400" dirty="0"/>
+          </a:p>
+        </p:txBody>
+      </p:sp>
+      <p:sp>
+        <p:nvSpPr>
+          <p:cNvPr id="9" name="TextBox 8"/>
+          <p:cNvSpPr txBox="1"/>
+          <p:nvPr/>
+        </p:nvSpPr>
+        <p:spPr>
+          <a:xfrm>
+            <a:off x="7958668" y="952129"/>
+            <a:ext cx="1981200" cy="1815882"/>
+          </a:xfrm>
+          <a:prstGeom prst="rect">
+            <a:avLst/>
+          </a:prstGeom>
+          <a:noFill/>
+          <a:ln>
+            <a:solidFill>
+              <a:schemeClr val="tx1"/>
+            </a:solidFill>
+          </a:ln>
+        </p:spPr>
+        <p:txBody>
+          <a:bodyPr wrap="square" rtlCol="0">
+            <a:spAutoFit/>
+          </a:bodyPr>
+          <a:lstStyle/>
+          <a:p>
+            <a:r>
+              <a:rPr lang="en-AU" sz="1400" dirty="0"/>
               <a:t>Do they have unique </a:t>
             </a:r>
             <a:r>
-              <a:rPr lang="en-AU" dirty="0" err="1" smtClean="0"/>
+              <a:rPr lang="en-AU" sz="1400" dirty="0" err="1"/>
               <a:t>allometries</a:t>
             </a:r>
             <a:r>
-              <a:rPr lang="en-AU" dirty="0" smtClean="0"/>
+              <a:rPr lang="en-AU" sz="1400" dirty="0"/>
               <a:t>? (</a:t>
             </a:r>
             <a:r>
-              <a:rPr lang="en-AU" dirty="0" err="1" smtClean="0"/>
+              <a:rPr lang="en-AU" sz="1400" dirty="0" err="1" smtClean="0"/>
               <a:t>shape~size</a:t>
             </a:r>
             <a:r>
-              <a:rPr lang="en-AU" dirty="0" smtClean="0"/>
-              <a:t>*sex)</a:t>
-            </a:r>
-          </a:p>
-          <a:p>
-            <a:r>
-              <a:rPr lang="en-AU" dirty="0" smtClean="0"/>
+              <a:rPr lang="en-AU" sz="1400" dirty="0" smtClean="0"/>
+              <a:t>*population)</a:t>
+            </a:r>
+          </a:p>
+          <a:p>
+            <a:endParaRPr lang="en-AU" sz="1400" dirty="0"/>
+          </a:p>
+          <a:p>
+            <a:r>
+              <a:rPr lang="en-AU" sz="1400" dirty="0"/>
               <a:t>R</a:t>
             </a:r>
             <a:r>
-              <a:rPr lang="en-AU" baseline="30000" dirty="0" smtClean="0"/>
+              <a:rPr lang="en-AU" sz="1400" baseline="30000" dirty="0"/>
               <a:t>2</a:t>
             </a:r>
             <a:r>
-              <a:rPr lang="en-AU" dirty="0" smtClean="0"/>
-              <a:t> = 0.004</a:t>
-            </a:r>
-          </a:p>
-          <a:p>
-            <a:r>
-              <a:rPr lang="en-AU" dirty="0" smtClean="0"/>
+              <a:rPr lang="en-AU" sz="1400" dirty="0"/>
+              <a:t> = </a:t>
+            </a:r>
+            <a:r>
+              <a:rPr lang="en-AU" sz="1400" dirty="0" smtClean="0"/>
+              <a:t>0.013</a:t>
+            </a:r>
+            <a:endParaRPr lang="en-AU" sz="1400" dirty="0"/>
+          </a:p>
+          <a:p>
+            <a:r>
+              <a:rPr lang="en-AU" sz="1400" dirty="0" smtClean="0"/>
               <a:t>F</a:t>
             </a:r>
             <a:r>
-              <a:rPr lang="en-AU" baseline="-25000" dirty="0" smtClean="0"/>
-              <a:t>1,156 </a:t>
-            </a:r>
-            <a:r>
-              <a:rPr lang="en-AU" dirty="0" smtClean="0"/>
-              <a:t>= 0.8</a:t>
-            </a:r>
-          </a:p>
-          <a:p>
-            <a:r>
-              <a:rPr lang="en-AU" dirty="0" smtClean="0"/>
-              <a:t>p = 0.774</a:t>
-            </a:r>
-            <a:endParaRPr lang="en-AU" dirty="0"/>
-          </a:p>
-          <a:p>
-            <a:endParaRPr lang="en-AU" dirty="0" smtClean="0"/>
-          </a:p>
-          <a:p>
-            <a:r>
-              <a:rPr lang="en-AU" dirty="0" smtClean="0"/>
-              <a:t>Adjusting for size, are sexes different in shape? (</a:t>
-            </a:r>
-            <a:r>
-              <a:rPr lang="en-AU" dirty="0" err="1" smtClean="0"/>
-              <a:t>shape~size+sex</a:t>
-            </a:r>
-            <a:r>
-              <a:rPr lang="en-AU" dirty="0" smtClean="0"/>
+              <a:rPr lang="en-AU" sz="1400" baseline="-25000" dirty="0" smtClean="0"/>
+              <a:t>2, 123 </a:t>
+            </a:r>
+            <a:r>
+              <a:rPr lang="en-AU" sz="1400" dirty="0"/>
+              <a:t>= </a:t>
+            </a:r>
+            <a:r>
+              <a:rPr lang="en-AU" sz="1400" dirty="0" smtClean="0"/>
+              <a:t>1.08</a:t>
+            </a:r>
+            <a:endParaRPr lang="en-AU" sz="1400" dirty="0"/>
+          </a:p>
+          <a:p>
+            <a:r>
+              <a:rPr lang="en-AU" sz="1400" dirty="0"/>
+              <a:t>p = </a:t>
+            </a:r>
+            <a:r>
+              <a:rPr lang="en-AU" sz="1400" dirty="0" smtClean="0"/>
+              <a:t>0.267</a:t>
+            </a:r>
+            <a:endParaRPr lang="en-AU" sz="1400" dirty="0"/>
+          </a:p>
+          <a:p>
+            <a:endParaRPr lang="en-AU" sz="1200" dirty="0" smtClean="0"/>
+          </a:p>
+        </p:txBody>
+      </p:sp>
+      <p:sp>
+        <p:nvSpPr>
+          <p:cNvPr id="12" name="Rectangle 11"/>
+          <p:cNvSpPr/>
+          <p:nvPr/>
+        </p:nvSpPr>
+        <p:spPr>
+          <a:xfrm>
+            <a:off x="9939868" y="947526"/>
+            <a:ext cx="1964265" cy="1815882"/>
+          </a:xfrm>
+          <a:prstGeom prst="rect">
+            <a:avLst/>
+          </a:prstGeom>
+          <a:ln>
+            <a:solidFill>
+              <a:schemeClr val="tx1"/>
+            </a:solidFill>
+          </a:ln>
+        </p:spPr>
+        <p:txBody>
+          <a:bodyPr wrap="square">
+            <a:spAutoFit/>
+          </a:bodyPr>
+          <a:lstStyle/>
+          <a:p>
+            <a:r>
+              <a:rPr lang="en-AU" sz="1400" dirty="0"/>
+              <a:t>Adjusting for size, are </a:t>
+            </a:r>
+            <a:r>
+              <a:rPr lang="en-AU" sz="1400" dirty="0" smtClean="0"/>
+              <a:t>populations </a:t>
+            </a:r>
+            <a:r>
+              <a:rPr lang="en-AU" sz="1400" dirty="0"/>
+              <a:t>different in shape? (</a:t>
+            </a:r>
+            <a:r>
+              <a:rPr lang="en-AU" sz="1400" dirty="0" err="1" smtClean="0"/>
+              <a:t>shape~size+population</a:t>
+            </a:r>
+            <a:r>
+              <a:rPr lang="en-AU" sz="1400" dirty="0" smtClean="0"/>
               <a:t>)</a:t>
             </a:r>
           </a:p>
           <a:p>
-            <a:r>
-              <a:rPr lang="en-AU" dirty="0" smtClean="0"/>
+            <a:endParaRPr lang="en-AU" sz="1400" dirty="0"/>
+          </a:p>
+          <a:p>
+            <a:r>
+              <a:rPr lang="en-AU" sz="1400" dirty="0"/>
               <a:t>R</a:t>
             </a:r>
             <a:r>
-              <a:rPr lang="en-AU" baseline="30000" dirty="0" smtClean="0"/>
+              <a:rPr lang="en-AU" sz="1400" baseline="30000" dirty="0"/>
               <a:t>2</a:t>
             </a:r>
             <a:r>
-              <a:rPr lang="en-AU" dirty="0" smtClean="0"/>
-              <a:t> = 0.009</a:t>
-            </a:r>
-          </a:p>
-          <a:p>
-            <a:r>
-              <a:rPr lang="en-AU" dirty="0" smtClean="0"/>
+              <a:rPr lang="en-AU" sz="1400" dirty="0"/>
+              <a:t> = </a:t>
+            </a:r>
+            <a:r>
+              <a:rPr lang="en-AU" sz="1400" dirty="0" smtClean="0"/>
+              <a:t>0.125</a:t>
+            </a:r>
+            <a:endParaRPr lang="en-AU" sz="1400" dirty="0"/>
+          </a:p>
+          <a:p>
+            <a:r>
+              <a:rPr lang="en-AU" sz="1400" dirty="0" smtClean="0"/>
               <a:t>F</a:t>
             </a:r>
             <a:r>
-              <a:rPr lang="en-AU" baseline="-25000" dirty="0" smtClean="0"/>
-              <a:t>1,157</a:t>
-            </a:r>
-            <a:r>
-              <a:rPr lang="en-AU" dirty="0" smtClean="0"/>
-              <a:t> = 1.647</a:t>
-            </a:r>
-          </a:p>
-          <a:p>
-            <a:r>
-              <a:rPr lang="en-AU" dirty="0" smtClean="0"/>
-              <a:t>p = 0.035</a:t>
-            </a:r>
-          </a:p>
-          <a:p>
-            <a:endParaRPr lang="en-AU" dirty="0"/>
+              <a:rPr lang="en-AU" sz="1400" baseline="-25000" dirty="0" smtClean="0"/>
+              <a:t>2, 125</a:t>
+            </a:r>
+            <a:r>
+              <a:rPr lang="en-AU" sz="1400" dirty="0" smtClean="0"/>
+              <a:t> </a:t>
+            </a:r>
+            <a:r>
+              <a:rPr lang="en-AU" sz="1400" dirty="0"/>
+              <a:t>= </a:t>
+            </a:r>
+            <a:r>
+              <a:rPr lang="en-AU" sz="1400" dirty="0" smtClean="0"/>
+              <a:t>10.55</a:t>
+            </a:r>
+            <a:endParaRPr lang="en-AU" sz="1400" dirty="0"/>
+          </a:p>
+          <a:p>
+            <a:r>
+              <a:rPr lang="en-AU" sz="1400" dirty="0"/>
+              <a:t>p = </a:t>
+            </a:r>
+            <a:r>
+              <a:rPr lang="en-AU" sz="1400" dirty="0" smtClean="0"/>
+              <a:t>0.001</a:t>
+            </a:r>
+            <a:endParaRPr lang="en-AU" sz="1400" dirty="0"/>
           </a:p>
         </p:txBody>
       </p:sp>
     </p:spTree>
     <p:extLst>
       <p:ext uri="{BB962C8B-B14F-4D97-AF65-F5344CB8AC3E}">
-        <p14:creationId xmlns:p14="http://schemas.microsoft.com/office/powerpoint/2010/main" val="922373890"/>
+        <p14:creationId xmlns:p14="http://schemas.microsoft.com/office/powerpoint/2010/main" val="3664250466"/>
+      </p:ext>
+    </p:extLst>
+  </p:cSld>
+  <p:clrMapOvr>
+    <a:masterClrMapping/>
+  </p:clrMapOvr>
+  <p:timing>
+    <p:tnLst>
+      <p:par>
+        <p:cTn id="1" dur="indefinite" restart="never" nodeType="tmRoot"/>
+      </p:par>
+    </p:tnLst>
+  </p:timing>
+</p:sld>
+</file>
+
+<file path=ppt/slides/slide7.xml><?xml version="1.0" encoding="utf-8"?>
+<p:sld xmlns:a="http://schemas.openxmlformats.org/drawingml/2006/main" xmlns:r="http://schemas.openxmlformats.org/officeDocument/2006/relationships" xmlns:p="http://schemas.openxmlformats.org/presentationml/2006/main">
+  <p:cSld>
+    <p:spTree>
+      <p:nvGrpSpPr>
+        <p:cNvPr id="1" name=""/>
+        <p:cNvGrpSpPr/>
+        <p:nvPr/>
+      </p:nvGrpSpPr>
+      <p:grpSpPr>
+        <a:xfrm>
+          <a:off x="0" y="0"/>
+          <a:ext cx="0" cy="0"/>
+          <a:chOff x="0" y="0"/>
+          <a:chExt cx="0" cy="0"/>
+        </a:xfrm>
+      </p:grpSpPr>
+      <p:pic>
+        <p:nvPicPr>
+          <p:cNvPr id="4" name="Picture 3"/>
+          <p:cNvPicPr>
+            <a:picLocks noChangeAspect="1"/>
+          </p:cNvPicPr>
+          <p:nvPr/>
+        </p:nvPicPr>
+        <p:blipFill>
+          <a:blip r:embed="rId2"/>
+          <a:stretch>
+            <a:fillRect/>
+          </a:stretch>
+        </p:blipFill>
+        <p:spPr>
+          <a:xfrm>
+            <a:off x="330250" y="269588"/>
+            <a:ext cx="6189515" cy="3427202"/>
+          </a:xfrm>
+          <a:prstGeom prst="rect">
+            <a:avLst/>
+          </a:prstGeom>
+        </p:spPr>
+      </p:pic>
+      <p:sp>
+        <p:nvSpPr>
+          <p:cNvPr id="8" name="TextBox 7"/>
+          <p:cNvSpPr txBox="1"/>
+          <p:nvPr/>
+        </p:nvSpPr>
+        <p:spPr>
+          <a:xfrm>
+            <a:off x="7154092" y="424528"/>
+            <a:ext cx="2886891" cy="2862322"/>
+          </a:xfrm>
+          <a:prstGeom prst="rect">
+            <a:avLst/>
+          </a:prstGeom>
+          <a:noFill/>
+          <a:ln>
+            <a:solidFill>
+              <a:schemeClr val="tx1"/>
+            </a:solidFill>
+          </a:ln>
+        </p:spPr>
+        <p:txBody>
+          <a:bodyPr wrap="square" rtlCol="0">
+            <a:spAutoFit/>
+          </a:bodyPr>
+          <a:lstStyle/>
+          <a:p>
+            <a:r>
+              <a:rPr lang="en-AU" dirty="0" smtClean="0"/>
+              <a:t>Procrustes </a:t>
+            </a:r>
+            <a:r>
+              <a:rPr lang="en-AU" dirty="0" smtClean="0"/>
+              <a:t>ANOVA</a:t>
+            </a:r>
+          </a:p>
+          <a:p>
+            <a:r>
+              <a:rPr lang="en-AU" dirty="0" smtClean="0"/>
+              <a:t>Are populations different in shape?</a:t>
+            </a:r>
+            <a:r>
+              <a:rPr lang="en-AU" dirty="0" smtClean="0"/>
+              <a:t> (</a:t>
+            </a:r>
+            <a:r>
+              <a:rPr lang="en-AU" dirty="0" err="1" smtClean="0"/>
+              <a:t>shape~population</a:t>
+            </a:r>
+            <a:r>
+              <a:rPr lang="en-AU" dirty="0" smtClean="0"/>
+              <a:t>)</a:t>
+            </a:r>
+          </a:p>
+          <a:p>
+            <a:r>
+              <a:rPr lang="en-AU" dirty="0" smtClean="0"/>
+              <a:t>R</a:t>
+            </a:r>
+            <a:r>
+              <a:rPr lang="en-AU" baseline="30000" dirty="0" smtClean="0"/>
+              <a:t>2</a:t>
+            </a:r>
+            <a:r>
+              <a:rPr lang="en-AU" dirty="0" smtClean="0"/>
+              <a:t> = 0.202</a:t>
+            </a:r>
+          </a:p>
+          <a:p>
+            <a:r>
+              <a:rPr lang="en-AU" dirty="0" smtClean="0"/>
+              <a:t>F</a:t>
+            </a:r>
+            <a:r>
+              <a:rPr lang="en-AU" baseline="-25000" dirty="0" smtClean="0"/>
+              <a:t>1, 127</a:t>
+            </a:r>
+            <a:r>
+              <a:rPr lang="en-AU" dirty="0" smtClean="0"/>
+              <a:t> = 15.9</a:t>
+            </a:r>
+          </a:p>
+          <a:p>
+            <a:r>
+              <a:rPr lang="en-AU" dirty="0" smtClean="0"/>
+              <a:t>p = 0.001</a:t>
+            </a:r>
+            <a:endParaRPr lang="en-AU" dirty="0" smtClean="0"/>
+          </a:p>
+          <a:p>
+            <a:endParaRPr lang="en-AU" dirty="0" smtClean="0">
+              <a:solidFill>
+                <a:srgbClr val="FF0000"/>
+              </a:solidFill>
+            </a:endParaRPr>
+          </a:p>
+          <a:p>
+            <a:r>
+              <a:rPr lang="en-AU" dirty="0" smtClean="0">
+                <a:solidFill>
+                  <a:srgbClr val="FF0000"/>
+                </a:solidFill>
+              </a:rPr>
+              <a:t>Pairwise comparisons </a:t>
+            </a:r>
+          </a:p>
+          <a:p>
+            <a:r>
+              <a:rPr lang="en-AU" dirty="0" smtClean="0">
+                <a:solidFill>
+                  <a:srgbClr val="FF0000"/>
+                </a:solidFill>
+              </a:rPr>
+              <a:t>They are all different! </a:t>
+            </a:r>
+          </a:p>
+          <a:p>
+            <a:r>
+              <a:rPr lang="en-AU" dirty="0" smtClean="0">
+                <a:solidFill>
+                  <a:srgbClr val="FF0000"/>
+                </a:solidFill>
+              </a:rPr>
+              <a:t>No difference in disparity??</a:t>
+            </a:r>
+            <a:endParaRPr lang="en-AU" dirty="0">
+              <a:solidFill>
+                <a:srgbClr val="FF0000"/>
+              </a:solidFill>
+            </a:endParaRPr>
+          </a:p>
+        </p:txBody>
+      </p:sp>
+    </p:spTree>
+    <p:extLst>
+      <p:ext uri="{BB962C8B-B14F-4D97-AF65-F5344CB8AC3E}">
+        <p14:creationId xmlns:p14="http://schemas.microsoft.com/office/powerpoint/2010/main" val="1571886329"/>
+      </p:ext>
+    </p:extLst>
+  </p:cSld>
+  <p:clrMapOvr>
+    <a:masterClrMapping/>
+  </p:clrMapOvr>
+  <p:timing>
+    <p:tnLst>
+      <p:par>
+        <p:cTn id="1" dur="indefinite" restart="never" nodeType="tmRoot"/>
+      </p:par>
+    </p:tnLst>
+  </p:timing>
+</p:sld>
+</file>
+
+<file path=ppt/slides/slide8.xml><?xml version="1.0" encoding="utf-8"?>
+<p:sld xmlns:a="http://schemas.openxmlformats.org/drawingml/2006/main" xmlns:r="http://schemas.openxmlformats.org/officeDocument/2006/relationships" xmlns:p="http://schemas.openxmlformats.org/presentationml/2006/main">
+  <p:cSld>
+    <p:spTree>
+      <p:nvGrpSpPr>
+        <p:cNvPr id="1" name=""/>
+        <p:cNvGrpSpPr/>
+        <p:nvPr/>
+      </p:nvGrpSpPr>
+      <p:grpSpPr>
+        <a:xfrm>
+          <a:off x="0" y="0"/>
+          <a:ext cx="0" cy="0"/>
+          <a:chOff x="0" y="0"/>
+          <a:chExt cx="0" cy="0"/>
+        </a:xfrm>
+      </p:grpSpPr>
+    </p:spTree>
+    <p:extLst>
+      <p:ext uri="{BB962C8B-B14F-4D97-AF65-F5344CB8AC3E}">
+        <p14:creationId xmlns:p14="http://schemas.microsoft.com/office/powerpoint/2010/main" val="3989082815"/>
       </p:ext>
     </p:extLst>
   </p:cSld>
